--- a/Diagrams/UseCaseDiagram.pptx
+++ b/Diagrams/UseCaseDiagram.pptx
@@ -105,6 +105,11 @@
       </a:defRPr>
     </a:lvl9pPr>
   </p:defaultTextStyle>
+  <p:extLst>
+    <p:ext uri="{EFAFB233-063F-42B5-8137-9DF3F51BA10A}">
+      <p15:sldGuideLst xmlns:p15="http://schemas.microsoft.com/office/powerpoint/2012/main"/>
+    </p:ext>
+  </p:extLst>
 </p:presentation>
 </file>
 
@@ -239,7 +244,7 @@
           <a:p>
             <a:fld id="{CDE43B51-1AE3-6C4C-ABB5-0D82DB631B37}" type="datetimeFigureOut">
               <a:rPr lang="en-MX" smtClean="0"/>
-              <a:t>10/07/20</a:t>
+              <a:t>14/07/20</a:t>
             </a:fld>
             <a:endParaRPr lang="en-MX"/>
           </a:p>
@@ -409,7 +414,7 @@
           <a:p>
             <a:fld id="{CDE43B51-1AE3-6C4C-ABB5-0D82DB631B37}" type="datetimeFigureOut">
               <a:rPr lang="en-MX" smtClean="0"/>
-              <a:t>10/07/20</a:t>
+              <a:t>14/07/20</a:t>
             </a:fld>
             <a:endParaRPr lang="en-MX"/>
           </a:p>
@@ -589,7 +594,7 @@
           <a:p>
             <a:fld id="{CDE43B51-1AE3-6C4C-ABB5-0D82DB631B37}" type="datetimeFigureOut">
               <a:rPr lang="en-MX" smtClean="0"/>
-              <a:t>10/07/20</a:t>
+              <a:t>14/07/20</a:t>
             </a:fld>
             <a:endParaRPr lang="en-MX"/>
           </a:p>
@@ -759,7 +764,7 @@
           <a:p>
             <a:fld id="{CDE43B51-1AE3-6C4C-ABB5-0D82DB631B37}" type="datetimeFigureOut">
               <a:rPr lang="en-MX" smtClean="0"/>
-              <a:t>10/07/20</a:t>
+              <a:t>14/07/20</a:t>
             </a:fld>
             <a:endParaRPr lang="en-MX"/>
           </a:p>
@@ -1003,7 +1008,7 @@
           <a:p>
             <a:fld id="{CDE43B51-1AE3-6C4C-ABB5-0D82DB631B37}" type="datetimeFigureOut">
               <a:rPr lang="en-MX" smtClean="0"/>
-              <a:t>10/07/20</a:t>
+              <a:t>14/07/20</a:t>
             </a:fld>
             <a:endParaRPr lang="en-MX"/>
           </a:p>
@@ -1235,7 +1240,7 @@
           <a:p>
             <a:fld id="{CDE43B51-1AE3-6C4C-ABB5-0D82DB631B37}" type="datetimeFigureOut">
               <a:rPr lang="en-MX" smtClean="0"/>
-              <a:t>10/07/20</a:t>
+              <a:t>14/07/20</a:t>
             </a:fld>
             <a:endParaRPr lang="en-MX"/>
           </a:p>
@@ -1602,7 +1607,7 @@
           <a:p>
             <a:fld id="{CDE43B51-1AE3-6C4C-ABB5-0D82DB631B37}" type="datetimeFigureOut">
               <a:rPr lang="en-MX" smtClean="0"/>
-              <a:t>10/07/20</a:t>
+              <a:t>14/07/20</a:t>
             </a:fld>
             <a:endParaRPr lang="en-MX"/>
           </a:p>
@@ -1720,7 +1725,7 @@
           <a:p>
             <a:fld id="{CDE43B51-1AE3-6C4C-ABB5-0D82DB631B37}" type="datetimeFigureOut">
               <a:rPr lang="en-MX" smtClean="0"/>
-              <a:t>10/07/20</a:t>
+              <a:t>14/07/20</a:t>
             </a:fld>
             <a:endParaRPr lang="en-MX"/>
           </a:p>
@@ -1815,7 +1820,7 @@
           <a:p>
             <a:fld id="{CDE43B51-1AE3-6C4C-ABB5-0D82DB631B37}" type="datetimeFigureOut">
               <a:rPr lang="en-MX" smtClean="0"/>
-              <a:t>10/07/20</a:t>
+              <a:t>14/07/20</a:t>
             </a:fld>
             <a:endParaRPr lang="en-MX"/>
           </a:p>
@@ -2092,7 +2097,7 @@
           <a:p>
             <a:fld id="{CDE43B51-1AE3-6C4C-ABB5-0D82DB631B37}" type="datetimeFigureOut">
               <a:rPr lang="en-MX" smtClean="0"/>
-              <a:t>10/07/20</a:t>
+              <a:t>14/07/20</a:t>
             </a:fld>
             <a:endParaRPr lang="en-MX"/>
           </a:p>
@@ -2349,7 +2354,7 @@
           <a:p>
             <a:fld id="{CDE43B51-1AE3-6C4C-ABB5-0D82DB631B37}" type="datetimeFigureOut">
               <a:rPr lang="en-MX" smtClean="0"/>
-              <a:t>10/07/20</a:t>
+              <a:t>14/07/20</a:t>
             </a:fld>
             <a:endParaRPr lang="en-MX"/>
           </a:p>
@@ -2562,7 +2567,7 @@
           <a:p>
             <a:fld id="{CDE43B51-1AE3-6C4C-ABB5-0D82DB631B37}" type="datetimeFigureOut">
               <a:rPr lang="en-MX" smtClean="0"/>
-              <a:t>10/07/20</a:t>
+              <a:t>14/07/20</a:t>
             </a:fld>
             <a:endParaRPr lang="en-MX"/>
           </a:p>
@@ -3476,6 +3481,621 @@
           <a:chExt cx="0" cy="0"/>
         </a:xfrm>
       </p:grpSpPr>
+      <p:sp>
+        <p:nvSpPr>
+          <p:cNvPr id="6" name="Rectangle 5">
+            <a:extLst>
+              <a:ext uri="{FF2B5EF4-FFF2-40B4-BE49-F238E27FC236}">
+                <a16:creationId xmlns:a16="http://schemas.microsoft.com/office/drawing/2014/main" id="{38B316DC-F31D-864B-9D0C-4D7D88F05280}"/>
+              </a:ext>
+            </a:extLst>
+          </p:cNvPr>
+          <p:cNvSpPr/>
+          <p:nvPr/>
+        </p:nvSpPr>
+        <p:spPr>
+          <a:xfrm>
+            <a:off x="1325880" y="1588770"/>
+            <a:ext cx="5132070" cy="3017520"/>
+          </a:xfrm>
+          <a:prstGeom prst="rect">
+            <a:avLst/>
+          </a:prstGeom>
+          <a:solidFill>
+            <a:schemeClr val="tx1">
+              <a:lumMod val="85000"/>
+              <a:lumOff val="15000"/>
+            </a:schemeClr>
+          </a:solidFill>
+        </p:spPr>
+        <p:style>
+          <a:lnRef idx="2">
+            <a:schemeClr val="accent1">
+              <a:shade val="50000"/>
+            </a:schemeClr>
+          </a:lnRef>
+          <a:fillRef idx="1">
+            <a:schemeClr val="accent1"/>
+          </a:fillRef>
+          <a:effectRef idx="0">
+            <a:schemeClr val="accent1"/>
+          </a:effectRef>
+          <a:fontRef idx="minor">
+            <a:schemeClr val="lt1"/>
+          </a:fontRef>
+        </p:style>
+        <p:txBody>
+          <a:bodyPr rtlCol="0" anchor="ctr"/>
+          <a:lstStyle/>
+          <a:p>
+            <a:pPr algn="ctr"/>
+            <a:endParaRPr lang="es-ES_tradnl">
+              <a:solidFill>
+                <a:schemeClr val="tx1">
+                  <a:lumMod val="85000"/>
+                  <a:lumOff val="15000"/>
+                </a:schemeClr>
+              </a:solidFill>
+            </a:endParaRPr>
+          </a:p>
+        </p:txBody>
+      </p:sp>
+      <p:pic>
+        <p:nvPicPr>
+          <p:cNvPr id="5" name="Picture 4">
+            <a:extLst>
+              <a:ext uri="{FF2B5EF4-FFF2-40B4-BE49-F238E27FC236}">
+                <a16:creationId xmlns:a16="http://schemas.microsoft.com/office/drawing/2014/main" id="{47FE901A-A430-9344-A35A-11A177B0441E}"/>
+              </a:ext>
+            </a:extLst>
+          </p:cNvPr>
+          <p:cNvPicPr>
+            <a:picLocks noChangeAspect="1"/>
+          </p:cNvPicPr>
+          <p:nvPr/>
+        </p:nvPicPr>
+        <p:blipFill>
+          <a:blip r:embed="rId2"/>
+          <a:stretch>
+            <a:fillRect/>
+          </a:stretch>
+        </p:blipFill>
+        <p:spPr>
+          <a:xfrm>
+            <a:off x="1314450" y="1554931"/>
+            <a:ext cx="5141913" cy="303358"/>
+          </a:xfrm>
+          <a:prstGeom prst="rect">
+            <a:avLst/>
+          </a:prstGeom>
+        </p:spPr>
+      </p:pic>
+      <p:cxnSp>
+        <p:nvCxnSpPr>
+          <p:cNvPr id="8" name="Straight Connector 7">
+            <a:extLst>
+              <a:ext uri="{FF2B5EF4-FFF2-40B4-BE49-F238E27FC236}">
+                <a16:creationId xmlns:a16="http://schemas.microsoft.com/office/drawing/2014/main" id="{AADFCA48-01AF-9345-AEE3-0578BA6D8B4E}"/>
+              </a:ext>
+            </a:extLst>
+          </p:cNvPr>
+          <p:cNvCxnSpPr/>
+          <p:nvPr/>
+        </p:nvCxnSpPr>
+        <p:spPr>
+          <a:xfrm>
+            <a:off x="2914650" y="1858289"/>
+            <a:ext cx="0" cy="2748001"/>
+          </a:xfrm>
+          <a:prstGeom prst="line">
+            <a:avLst/>
+          </a:prstGeom>
+          <a:ln w="57150">
+            <a:solidFill>
+              <a:schemeClr val="tx1">
+                <a:lumMod val="50000"/>
+                <a:lumOff val="50000"/>
+              </a:schemeClr>
+            </a:solidFill>
+          </a:ln>
+        </p:spPr>
+        <p:style>
+          <a:lnRef idx="1">
+            <a:schemeClr val="accent1"/>
+          </a:lnRef>
+          <a:fillRef idx="0">
+            <a:schemeClr val="accent1"/>
+          </a:fillRef>
+          <a:effectRef idx="0">
+            <a:schemeClr val="accent1"/>
+          </a:effectRef>
+          <a:fontRef idx="minor">
+            <a:schemeClr val="tx1"/>
+          </a:fontRef>
+        </p:style>
+      </p:cxnSp>
+      <p:cxnSp>
+        <p:nvCxnSpPr>
+          <p:cNvPr id="9" name="Straight Connector 8">
+            <a:extLst>
+              <a:ext uri="{FF2B5EF4-FFF2-40B4-BE49-F238E27FC236}">
+                <a16:creationId xmlns:a16="http://schemas.microsoft.com/office/drawing/2014/main" id="{839C1A8A-D185-5344-8722-AD20AE7BAF04}"/>
+              </a:ext>
+            </a:extLst>
+          </p:cNvPr>
+          <p:cNvCxnSpPr/>
+          <p:nvPr/>
+        </p:nvCxnSpPr>
+        <p:spPr>
+          <a:xfrm>
+            <a:off x="4792980" y="1858289"/>
+            <a:ext cx="0" cy="2748001"/>
+          </a:xfrm>
+          <a:prstGeom prst="line">
+            <a:avLst/>
+          </a:prstGeom>
+          <a:ln w="57150">
+            <a:solidFill>
+              <a:schemeClr val="tx1">
+                <a:lumMod val="50000"/>
+                <a:lumOff val="50000"/>
+              </a:schemeClr>
+            </a:solidFill>
+          </a:ln>
+        </p:spPr>
+        <p:style>
+          <a:lnRef idx="1">
+            <a:schemeClr val="accent1"/>
+          </a:lnRef>
+          <a:fillRef idx="0">
+            <a:schemeClr val="accent1"/>
+          </a:fillRef>
+          <a:effectRef idx="0">
+            <a:schemeClr val="accent1"/>
+          </a:effectRef>
+          <a:fontRef idx="minor">
+            <a:schemeClr val="tx1"/>
+          </a:fontRef>
+        </p:style>
+      </p:cxnSp>
+      <p:sp>
+        <p:nvSpPr>
+          <p:cNvPr id="10" name="Rectangle 9">
+            <a:extLst>
+              <a:ext uri="{FF2B5EF4-FFF2-40B4-BE49-F238E27FC236}">
+                <a16:creationId xmlns:a16="http://schemas.microsoft.com/office/drawing/2014/main" id="{CA6E4C0F-8744-8543-9BAB-8B1B4B9646BF}"/>
+              </a:ext>
+            </a:extLst>
+          </p:cNvPr>
+          <p:cNvSpPr/>
+          <p:nvPr/>
+        </p:nvSpPr>
+        <p:spPr>
+          <a:xfrm>
+            <a:off x="3049907" y="2777252"/>
+            <a:ext cx="1607816" cy="303358"/>
+          </a:xfrm>
+          <a:prstGeom prst="rect">
+            <a:avLst/>
+          </a:prstGeom>
+          <a:solidFill>
+            <a:schemeClr val="bg1"/>
+          </a:solidFill>
+        </p:spPr>
+        <p:style>
+          <a:lnRef idx="2">
+            <a:schemeClr val="accent1">
+              <a:shade val="50000"/>
+            </a:schemeClr>
+          </a:lnRef>
+          <a:fillRef idx="1">
+            <a:schemeClr val="accent1"/>
+          </a:fillRef>
+          <a:effectRef idx="0">
+            <a:schemeClr val="accent1"/>
+          </a:effectRef>
+          <a:fontRef idx="minor">
+            <a:schemeClr val="lt1"/>
+          </a:fontRef>
+        </p:style>
+        <p:txBody>
+          <a:bodyPr rtlCol="0" anchor="ctr"/>
+          <a:lstStyle/>
+          <a:p>
+            <a:pPr algn="ctr"/>
+            <a:endParaRPr lang="es-ES_tradnl"/>
+          </a:p>
+        </p:txBody>
+      </p:sp>
+      <p:sp>
+        <p:nvSpPr>
+          <p:cNvPr id="11" name="TextBox 10">
+            <a:extLst>
+              <a:ext uri="{FF2B5EF4-FFF2-40B4-BE49-F238E27FC236}">
+                <a16:creationId xmlns:a16="http://schemas.microsoft.com/office/drawing/2014/main" id="{422EED6A-A59F-D747-8DEF-2EAEF0995A02}"/>
+              </a:ext>
+            </a:extLst>
+          </p:cNvPr>
+          <p:cNvSpPr txBox="1"/>
+          <p:nvPr/>
+        </p:nvSpPr>
+        <p:spPr>
+          <a:xfrm>
+            <a:off x="3000375" y="2450425"/>
+            <a:ext cx="1783080" cy="307777"/>
+          </a:xfrm>
+          <a:prstGeom prst="rect">
+            <a:avLst/>
+          </a:prstGeom>
+          <a:noFill/>
+        </p:spPr>
+        <p:txBody>
+          <a:bodyPr wrap="square" rtlCol="0">
+            <a:spAutoFit/>
+          </a:bodyPr>
+          <a:lstStyle/>
+          <a:p>
+            <a:r>
+              <a:rPr lang="es-ES_tradnl" sz="1400" dirty="0">
+                <a:solidFill>
+                  <a:schemeClr val="bg1"/>
+                </a:solidFill>
+              </a:rPr>
+              <a:t>PLAYER NAME</a:t>
+            </a:r>
+          </a:p>
+        </p:txBody>
+      </p:sp>
+      <p:sp>
+        <p:nvSpPr>
+          <p:cNvPr id="13" name="TextBox 12">
+            <a:extLst>
+              <a:ext uri="{FF2B5EF4-FFF2-40B4-BE49-F238E27FC236}">
+                <a16:creationId xmlns:a16="http://schemas.microsoft.com/office/drawing/2014/main" id="{A70177A8-D6FF-0744-BB4B-9E8FA6E665A5}"/>
+              </a:ext>
+            </a:extLst>
+          </p:cNvPr>
+          <p:cNvSpPr txBox="1"/>
+          <p:nvPr/>
+        </p:nvSpPr>
+        <p:spPr>
+          <a:xfrm>
+            <a:off x="3000375" y="3155393"/>
+            <a:ext cx="1783080" cy="307777"/>
+          </a:xfrm>
+          <a:prstGeom prst="rect">
+            <a:avLst/>
+          </a:prstGeom>
+          <a:noFill/>
+        </p:spPr>
+        <p:txBody>
+          <a:bodyPr wrap="square" rtlCol="0">
+            <a:spAutoFit/>
+          </a:bodyPr>
+          <a:lstStyle/>
+          <a:p>
+            <a:r>
+              <a:rPr lang="es-ES_tradnl" sz="1400" dirty="0">
+                <a:solidFill>
+                  <a:schemeClr val="bg1"/>
+                </a:solidFill>
+              </a:rPr>
+              <a:t>GAME LEVEL</a:t>
+            </a:r>
+          </a:p>
+        </p:txBody>
+      </p:sp>
+      <p:sp>
+        <p:nvSpPr>
+          <p:cNvPr id="14" name="TextBox 13">
+            <a:extLst>
+              <a:ext uri="{FF2B5EF4-FFF2-40B4-BE49-F238E27FC236}">
+                <a16:creationId xmlns:a16="http://schemas.microsoft.com/office/drawing/2014/main" id="{FD9900DB-25DB-3048-96DE-F15E9BE80C25}"/>
+              </a:ext>
+            </a:extLst>
+          </p:cNvPr>
+          <p:cNvSpPr txBox="1"/>
+          <p:nvPr/>
+        </p:nvSpPr>
+        <p:spPr>
+          <a:xfrm>
+            <a:off x="3599656" y="3398892"/>
+            <a:ext cx="1783080" cy="307777"/>
+          </a:xfrm>
+          <a:prstGeom prst="rect">
+            <a:avLst/>
+          </a:prstGeom>
+          <a:noFill/>
+        </p:spPr>
+        <p:txBody>
+          <a:bodyPr wrap="square" rtlCol="0">
+            <a:spAutoFit/>
+          </a:bodyPr>
+          <a:lstStyle/>
+          <a:p>
+            <a:r>
+              <a:rPr lang="es-ES_tradnl" sz="1400" dirty="0">
+                <a:solidFill>
+                  <a:schemeClr val="bg1"/>
+                </a:solidFill>
+              </a:rPr>
+              <a:t>HARD</a:t>
+            </a:r>
+          </a:p>
+        </p:txBody>
+      </p:sp>
+      <p:sp>
+        <p:nvSpPr>
+          <p:cNvPr id="15" name="TextBox 14">
+            <a:extLst>
+              <a:ext uri="{FF2B5EF4-FFF2-40B4-BE49-F238E27FC236}">
+                <a16:creationId xmlns:a16="http://schemas.microsoft.com/office/drawing/2014/main" id="{91105051-DB6B-F54F-B4FD-7B3E9E3ACD31}"/>
+              </a:ext>
+            </a:extLst>
+          </p:cNvPr>
+          <p:cNvSpPr txBox="1"/>
+          <p:nvPr/>
+        </p:nvSpPr>
+        <p:spPr>
+          <a:xfrm>
+            <a:off x="3599656" y="3634310"/>
+            <a:ext cx="1783080" cy="307777"/>
+          </a:xfrm>
+          <a:prstGeom prst="rect">
+            <a:avLst/>
+          </a:prstGeom>
+          <a:noFill/>
+        </p:spPr>
+        <p:txBody>
+          <a:bodyPr wrap="square" rtlCol="0">
+            <a:spAutoFit/>
+          </a:bodyPr>
+          <a:lstStyle/>
+          <a:p>
+            <a:r>
+              <a:rPr lang="es-ES_tradnl" sz="1400" dirty="0">
+                <a:solidFill>
+                  <a:schemeClr val="bg1"/>
+                </a:solidFill>
+              </a:rPr>
+              <a:t>MEDIUM</a:t>
+            </a:r>
+          </a:p>
+        </p:txBody>
+      </p:sp>
+      <p:sp>
+        <p:nvSpPr>
+          <p:cNvPr id="16" name="TextBox 15">
+            <a:extLst>
+              <a:ext uri="{FF2B5EF4-FFF2-40B4-BE49-F238E27FC236}">
+                <a16:creationId xmlns:a16="http://schemas.microsoft.com/office/drawing/2014/main" id="{632DF9B8-DC77-A440-930A-4F46223542DD}"/>
+              </a:ext>
+            </a:extLst>
+          </p:cNvPr>
+          <p:cNvSpPr txBox="1"/>
+          <p:nvPr/>
+        </p:nvSpPr>
+        <p:spPr>
+          <a:xfrm>
+            <a:off x="3599656" y="3901322"/>
+            <a:ext cx="647699" cy="307777"/>
+          </a:xfrm>
+          <a:prstGeom prst="rect">
+            <a:avLst/>
+          </a:prstGeom>
+          <a:noFill/>
+        </p:spPr>
+        <p:txBody>
+          <a:bodyPr wrap="square" rtlCol="0">
+            <a:spAutoFit/>
+          </a:bodyPr>
+          <a:lstStyle/>
+          <a:p>
+            <a:r>
+              <a:rPr lang="es-ES_tradnl" sz="1400" dirty="0">
+                <a:solidFill>
+                  <a:schemeClr val="bg1"/>
+                </a:solidFill>
+              </a:rPr>
+              <a:t>EASY</a:t>
+            </a:r>
+          </a:p>
+        </p:txBody>
+      </p:sp>
+      <p:sp>
+        <p:nvSpPr>
+          <p:cNvPr id="17" name="TextBox 16">
+            <a:extLst>
+              <a:ext uri="{FF2B5EF4-FFF2-40B4-BE49-F238E27FC236}">
+                <a16:creationId xmlns:a16="http://schemas.microsoft.com/office/drawing/2014/main" id="{9C89F342-0B46-FF49-A8C5-1B10835A77A9}"/>
+              </a:ext>
+            </a:extLst>
+          </p:cNvPr>
+          <p:cNvSpPr txBox="1"/>
+          <p:nvPr/>
+        </p:nvSpPr>
+        <p:spPr>
+          <a:xfrm>
+            <a:off x="2978625" y="1985080"/>
+            <a:ext cx="1783080" cy="338554"/>
+          </a:xfrm>
+          <a:prstGeom prst="rect">
+            <a:avLst/>
+          </a:prstGeom>
+          <a:noFill/>
+        </p:spPr>
+        <p:txBody>
+          <a:bodyPr wrap="square" rtlCol="0">
+            <a:spAutoFit/>
+          </a:bodyPr>
+          <a:lstStyle/>
+          <a:p>
+            <a:r>
+              <a:rPr lang="es-ES_tradnl" sz="1600" dirty="0">
+                <a:solidFill>
+                  <a:schemeClr val="bg1"/>
+                </a:solidFill>
+              </a:rPr>
+              <a:t>HANGMAN GAME</a:t>
+            </a:r>
+          </a:p>
+        </p:txBody>
+      </p:sp>
+      <p:sp>
+        <p:nvSpPr>
+          <p:cNvPr id="18" name="Rounded Rectangle 17">
+            <a:extLst>
+              <a:ext uri="{FF2B5EF4-FFF2-40B4-BE49-F238E27FC236}">
+                <a16:creationId xmlns:a16="http://schemas.microsoft.com/office/drawing/2014/main" id="{481D6237-AA73-F64A-9DDA-F108B695B2A5}"/>
+              </a:ext>
+            </a:extLst>
+          </p:cNvPr>
+          <p:cNvSpPr/>
+          <p:nvPr/>
+        </p:nvSpPr>
+        <p:spPr>
+          <a:xfrm>
+            <a:off x="3188970" y="491490"/>
+            <a:ext cx="734535" cy="274320"/>
+          </a:xfrm>
+          <a:prstGeom prst="roundRect">
+            <a:avLst/>
+          </a:prstGeom>
+        </p:spPr>
+        <p:style>
+          <a:lnRef idx="2">
+            <a:schemeClr val="accent1">
+              <a:shade val="50000"/>
+            </a:schemeClr>
+          </a:lnRef>
+          <a:fillRef idx="1">
+            <a:schemeClr val="accent1"/>
+          </a:fillRef>
+          <a:effectRef idx="0">
+            <a:schemeClr val="accent1"/>
+          </a:effectRef>
+          <a:fontRef idx="minor">
+            <a:schemeClr val="lt1"/>
+          </a:fontRef>
+        </p:style>
+        <p:txBody>
+          <a:bodyPr rtlCol="0" anchor="ctr"/>
+          <a:lstStyle/>
+          <a:p>
+            <a:pPr algn="ctr"/>
+            <a:endParaRPr lang="es-ES_tradnl"/>
+          </a:p>
+        </p:txBody>
+      </p:sp>
+      <p:sp>
+        <p:nvSpPr>
+          <p:cNvPr id="19" name="Rounded Rectangle 18">
+            <a:extLst>
+              <a:ext uri="{FF2B5EF4-FFF2-40B4-BE49-F238E27FC236}">
+                <a16:creationId xmlns:a16="http://schemas.microsoft.com/office/drawing/2014/main" id="{7EB91374-DA7B-CE4B-8BBA-8B77A2C62B70}"/>
+              </a:ext>
+            </a:extLst>
+          </p:cNvPr>
+          <p:cNvSpPr/>
+          <p:nvPr/>
+        </p:nvSpPr>
+        <p:spPr>
+          <a:xfrm>
+            <a:off x="3911362" y="4231424"/>
+            <a:ext cx="734535" cy="274320"/>
+          </a:xfrm>
+          <a:prstGeom prst="roundRect">
+            <a:avLst/>
+          </a:prstGeom>
+          <a:solidFill>
+            <a:schemeClr val="tx1">
+              <a:lumMod val="50000"/>
+              <a:lumOff val="50000"/>
+            </a:schemeClr>
+          </a:solidFill>
+        </p:spPr>
+        <p:style>
+          <a:lnRef idx="2">
+            <a:schemeClr val="accent1">
+              <a:shade val="50000"/>
+            </a:schemeClr>
+          </a:lnRef>
+          <a:fillRef idx="1">
+            <a:schemeClr val="accent1"/>
+          </a:fillRef>
+          <a:effectRef idx="0">
+            <a:schemeClr val="accent1"/>
+          </a:effectRef>
+          <a:fontRef idx="minor">
+            <a:schemeClr val="lt1"/>
+          </a:fontRef>
+        </p:style>
+        <p:txBody>
+          <a:bodyPr rtlCol="0" anchor="ctr"/>
+          <a:lstStyle/>
+          <a:p>
+            <a:pPr algn="ctr"/>
+            <a:r>
+              <a:rPr lang="es-ES_tradnl" sz="1200" dirty="0"/>
+              <a:t>START</a:t>
+            </a:r>
+          </a:p>
+        </p:txBody>
+      </p:sp>
+      <p:sp>
+        <p:nvSpPr>
+          <p:cNvPr id="20" name="Rounded Rectangle 19">
+            <a:extLst>
+              <a:ext uri="{FF2B5EF4-FFF2-40B4-BE49-F238E27FC236}">
+                <a16:creationId xmlns:a16="http://schemas.microsoft.com/office/drawing/2014/main" id="{48329539-6629-3449-A1DB-84167FE0817D}"/>
+              </a:ext>
+            </a:extLst>
+          </p:cNvPr>
+          <p:cNvSpPr/>
+          <p:nvPr/>
+        </p:nvSpPr>
+        <p:spPr>
+          <a:xfrm>
+            <a:off x="3093008" y="4228342"/>
+            <a:ext cx="734535" cy="274320"/>
+          </a:xfrm>
+          <a:prstGeom prst="roundRect">
+            <a:avLst/>
+          </a:prstGeom>
+          <a:solidFill>
+            <a:schemeClr val="bg2">
+              <a:lumMod val="25000"/>
+            </a:schemeClr>
+          </a:solidFill>
+        </p:spPr>
+        <p:style>
+          <a:lnRef idx="2">
+            <a:schemeClr val="accent1">
+              <a:shade val="50000"/>
+            </a:schemeClr>
+          </a:lnRef>
+          <a:fillRef idx="1">
+            <a:schemeClr val="accent1"/>
+          </a:fillRef>
+          <a:effectRef idx="0">
+            <a:schemeClr val="accent1"/>
+          </a:effectRef>
+          <a:fontRef idx="minor">
+            <a:schemeClr val="lt1"/>
+          </a:fontRef>
+        </p:style>
+        <p:txBody>
+          <a:bodyPr rtlCol="0" anchor="ctr"/>
+          <a:lstStyle/>
+          <a:p>
+            <a:pPr algn="ctr"/>
+            <a:r>
+              <a:rPr lang="es-ES_tradnl" sz="1200" dirty="0"/>
+              <a:t>EXIT</a:t>
+            </a:r>
+          </a:p>
+        </p:txBody>
+      </p:sp>
     </p:spTree>
     <p:extLst>
       <p:ext uri="{BB962C8B-B14F-4D97-AF65-F5344CB8AC3E}">
